--- a/Selenium Online.pptx
+++ b/Selenium Online.pptx
@@ -36,7 +36,8 @@
     <p:sldId id="283" r:id="rId30"/>
     <p:sldId id="287" r:id="rId31"/>
     <p:sldId id="286" r:id="rId32"/>
-    <p:sldId id="279" r:id="rId33"/>
+    <p:sldId id="288" r:id="rId33"/>
+    <p:sldId id="279" r:id="rId34"/>
   </p:sldIdLst>
   <p:sldSz cx="12192000" cy="6858000"/>
   <p:notesSz cx="6858000" cy="9144000"/>
@@ -148,7 +149,7 @@
   <pc:docChgLst>
     <pc:chgData name="Jerald Francis" userId="b43fd2132e0b1f8f" providerId="LiveId" clId="{DA0A6F79-A2AC-479C-B2E1-B97C315FED4F}"/>
     <pc:docChg chg="undo custSel addSld modSld">
-      <pc:chgData name="Jerald Francis" userId="b43fd2132e0b1f8f" providerId="LiveId" clId="{DA0A6F79-A2AC-479C-B2E1-B97C315FED4F}" dt="2022-12-22T14:43:42.675" v="2900" actId="20577"/>
+      <pc:chgData name="Jerald Francis" userId="b43fd2132e0b1f8f" providerId="LiveId" clId="{DA0A6F79-A2AC-479C-B2E1-B97C315FED4F}" dt="2023-01-04T14:36:14.843" v="3046" actId="20577"/>
       <pc:docMkLst>
         <pc:docMk/>
       </pc:docMkLst>
@@ -335,6 +336,37 @@
             <ac:spMk id="3" creationId="{EFE52396-9211-9A65-03C3-20CDE0FA3C9A}"/>
           </ac:spMkLst>
         </pc:spChg>
+      </pc:sldChg>
+      <pc:sldChg chg="addSp modSp new mod">
+        <pc:chgData name="Jerald Francis" userId="b43fd2132e0b1f8f" providerId="LiveId" clId="{DA0A6F79-A2AC-479C-B2E1-B97C315FED4F}" dt="2023-01-04T14:36:14.843" v="3046" actId="20577"/>
+        <pc:sldMkLst>
+          <pc:docMk/>
+          <pc:sldMk cId="2619480871" sldId="288"/>
+        </pc:sldMkLst>
+        <pc:spChg chg="mod">
+          <ac:chgData name="Jerald Francis" userId="b43fd2132e0b1f8f" providerId="LiveId" clId="{DA0A6F79-A2AC-479C-B2E1-B97C315FED4F}" dt="2023-01-04T14:31:14.399" v="2925" actId="20577"/>
+          <ac:spMkLst>
+            <pc:docMk/>
+            <pc:sldMk cId="2619480871" sldId="288"/>
+            <ac:spMk id="2" creationId="{8DB86F5A-DAFE-7044-1145-9E66E02B1302}"/>
+          </ac:spMkLst>
+        </pc:spChg>
+        <pc:spChg chg="mod">
+          <ac:chgData name="Jerald Francis" userId="b43fd2132e0b1f8f" providerId="LiveId" clId="{DA0A6F79-A2AC-479C-B2E1-B97C315FED4F}" dt="2023-01-04T14:36:14.843" v="3046" actId="20577"/>
+          <ac:spMkLst>
+            <pc:docMk/>
+            <pc:sldMk cId="2619480871" sldId="288"/>
+            <ac:spMk id="3" creationId="{32A48EA5-B8B4-8C99-A6C8-9639F79188B0}"/>
+          </ac:spMkLst>
+        </pc:spChg>
+        <pc:picChg chg="add mod">
+          <ac:chgData name="Jerald Francis" userId="b43fd2132e0b1f8f" providerId="LiveId" clId="{DA0A6F79-A2AC-479C-B2E1-B97C315FED4F}" dt="2023-01-04T14:36:12.044" v="3040" actId="1076"/>
+          <ac:picMkLst>
+            <pc:docMk/>
+            <pc:sldMk cId="2619480871" sldId="288"/>
+            <ac:picMk id="5" creationId="{6FE7DD7E-FF2D-EF59-4E4C-4F0E3EBA3E45}"/>
+          </ac:picMkLst>
+        </pc:picChg>
       </pc:sldChg>
     </pc:docChg>
   </pc:docChgLst>
@@ -1781,7 +1813,7 @@
           <a:p>
             <a:fld id="{64AE7436-959D-8547-8B10-9B2D231F35AD}" type="datetimeFigureOut">
               <a:rPr lang="en-US" smtClean="0"/>
-              <a:t>12/22/2022</a:t>
+              <a:t>1/4/2023</a:t>
             </a:fld>
             <a:endParaRPr lang="en-US"/>
           </a:p>
@@ -1981,7 +2013,7 @@
           <a:p>
             <a:fld id="{64AE7436-959D-8547-8B10-9B2D231F35AD}" type="datetimeFigureOut">
               <a:rPr lang="en-US" smtClean="0"/>
-              <a:t>12/22/2022</a:t>
+              <a:t>1/4/2023</a:t>
             </a:fld>
             <a:endParaRPr lang="en-US"/>
           </a:p>
@@ -2191,7 +2223,7 @@
           <a:p>
             <a:fld id="{64AE7436-959D-8547-8B10-9B2D231F35AD}" type="datetimeFigureOut">
               <a:rPr lang="en-US" smtClean="0"/>
-              <a:t>12/22/2022</a:t>
+              <a:t>1/4/2023</a:t>
             </a:fld>
             <a:endParaRPr lang="en-US"/>
           </a:p>
@@ -2391,7 +2423,7 @@
           <a:p>
             <a:fld id="{64AE7436-959D-8547-8B10-9B2D231F35AD}" type="datetimeFigureOut">
               <a:rPr lang="en-US" smtClean="0"/>
-              <a:t>12/22/2022</a:t>
+              <a:t>1/4/2023</a:t>
             </a:fld>
             <a:endParaRPr lang="en-US"/>
           </a:p>
@@ -2667,7 +2699,7 @@
           <a:p>
             <a:fld id="{64AE7436-959D-8547-8B10-9B2D231F35AD}" type="datetimeFigureOut">
               <a:rPr lang="en-US" smtClean="0"/>
-              <a:t>12/22/2022</a:t>
+              <a:t>1/4/2023</a:t>
             </a:fld>
             <a:endParaRPr lang="en-US"/>
           </a:p>
@@ -2935,7 +2967,7 @@
           <a:p>
             <a:fld id="{64AE7436-959D-8547-8B10-9B2D231F35AD}" type="datetimeFigureOut">
               <a:rPr lang="en-US" smtClean="0"/>
-              <a:t>12/22/2022</a:t>
+              <a:t>1/4/2023</a:t>
             </a:fld>
             <a:endParaRPr lang="en-US"/>
           </a:p>
@@ -3350,7 +3382,7 @@
           <a:p>
             <a:fld id="{64AE7436-959D-8547-8B10-9B2D231F35AD}" type="datetimeFigureOut">
               <a:rPr lang="en-US" smtClean="0"/>
-              <a:t>12/22/2022</a:t>
+              <a:t>1/4/2023</a:t>
             </a:fld>
             <a:endParaRPr lang="en-US"/>
           </a:p>
@@ -3492,7 +3524,7 @@
           <a:p>
             <a:fld id="{64AE7436-959D-8547-8B10-9B2D231F35AD}" type="datetimeFigureOut">
               <a:rPr lang="en-US" smtClean="0"/>
-              <a:t>12/22/2022</a:t>
+              <a:t>1/4/2023</a:t>
             </a:fld>
             <a:endParaRPr lang="en-US"/>
           </a:p>
@@ -3605,7 +3637,7 @@
           <a:p>
             <a:fld id="{64AE7436-959D-8547-8B10-9B2D231F35AD}" type="datetimeFigureOut">
               <a:rPr lang="en-US" smtClean="0"/>
-              <a:t>12/22/2022</a:t>
+              <a:t>1/4/2023</a:t>
             </a:fld>
             <a:endParaRPr lang="en-US"/>
           </a:p>
@@ -3918,7 +3950,7 @@
           <a:p>
             <a:fld id="{64AE7436-959D-8547-8B10-9B2D231F35AD}" type="datetimeFigureOut">
               <a:rPr lang="en-US" smtClean="0"/>
-              <a:t>12/22/2022</a:t>
+              <a:t>1/4/2023</a:t>
             </a:fld>
             <a:endParaRPr lang="en-US"/>
           </a:p>
@@ -4207,7 +4239,7 @@
           <a:p>
             <a:fld id="{64AE7436-959D-8547-8B10-9B2D231F35AD}" type="datetimeFigureOut">
               <a:rPr lang="en-US" smtClean="0"/>
-              <a:t>12/22/2022</a:t>
+              <a:t>1/4/2023</a:t>
             </a:fld>
             <a:endParaRPr lang="en-US"/>
           </a:p>
@@ -4450,7 +4482,7 @@
           <a:p>
             <a:fld id="{64AE7436-959D-8547-8B10-9B2D231F35AD}" type="datetimeFigureOut">
               <a:rPr lang="en-US" smtClean="0"/>
-              <a:t>12/22/2022</a:t>
+              <a:t>1/4/2023</a:t>
             </a:fld>
             <a:endParaRPr lang="en-US"/>
           </a:p>
@@ -9999,6 +10031,145 @@
           <p:cNvPr id="2" name="Title 1">
             <a:extLst>
               <a:ext uri="{FF2B5EF4-FFF2-40B4-BE49-F238E27FC236}">
+                <a16:creationId xmlns:a16="http://schemas.microsoft.com/office/drawing/2014/main" id="{8DB86F5A-DAFE-7044-1145-9E66E02B1302}"/>
+              </a:ext>
+            </a:extLst>
+          </p:cNvPr>
+          <p:cNvSpPr>
+            <a:spLocks noGrp="1"/>
+          </p:cNvSpPr>
+          <p:nvPr>
+            <p:ph type="title"/>
+          </p:nvPr>
+        </p:nvSpPr>
+        <p:spPr/>
+        <p:txBody>
+          <a:bodyPr/>
+          <a:lstStyle/>
+          <a:p>
+            <a:r>
+              <a:rPr lang="en-US" dirty="0"/>
+              <a:t>Handling Auto Suggestion</a:t>
+            </a:r>
+            <a:endParaRPr lang="en-IN" dirty="0"/>
+          </a:p>
+        </p:txBody>
+      </p:sp>
+      <p:sp>
+        <p:nvSpPr>
+          <p:cNvPr id="3" name="Content Placeholder 2">
+            <a:extLst>
+              <a:ext uri="{FF2B5EF4-FFF2-40B4-BE49-F238E27FC236}">
+                <a16:creationId xmlns:a16="http://schemas.microsoft.com/office/drawing/2014/main" id="{32A48EA5-B8B4-8C99-A6C8-9639F79188B0}"/>
+              </a:ext>
+            </a:extLst>
+          </p:cNvPr>
+          <p:cNvSpPr>
+            <a:spLocks noGrp="1"/>
+          </p:cNvSpPr>
+          <p:nvPr>
+            <p:ph idx="1"/>
+          </p:nvPr>
+        </p:nvSpPr>
+        <p:spPr/>
+        <p:txBody>
+          <a:bodyPr/>
+          <a:lstStyle/>
+          <a:p>
+            <a:r>
+              <a:rPr lang="en-US" dirty="0"/>
+              <a:t>Auto suggestions can be seen in the search box.</a:t>
+            </a:r>
+          </a:p>
+          <a:p>
+            <a:pPr lvl="1"/>
+            <a:r>
+              <a:rPr lang="en-US" dirty="0" err="1"/>
+              <a:t>Eg</a:t>
+            </a:r>
+            <a:r>
+              <a:rPr lang="en-US" dirty="0"/>
+              <a:t>, In the Google search If we type of </a:t>
+            </a:r>
+            <a:r>
+              <a:rPr lang="en-US"/>
+              <a:t>the mobile phone,</a:t>
+            </a:r>
+            <a:endParaRPr lang="en-US" dirty="0"/>
+          </a:p>
+          <a:p>
+            <a:pPr marL="914400" lvl="2" indent="0">
+              <a:buNone/>
+            </a:pPr>
+            <a:endParaRPr lang="en-IN" dirty="0"/>
+          </a:p>
+        </p:txBody>
+      </p:sp>
+      <p:pic>
+        <p:nvPicPr>
+          <p:cNvPr id="5" name="Picture 4">
+            <a:extLst>
+              <a:ext uri="{FF2B5EF4-FFF2-40B4-BE49-F238E27FC236}">
+                <a16:creationId xmlns:a16="http://schemas.microsoft.com/office/drawing/2014/main" id="{6FE7DD7E-FF2D-EF59-4E4C-4F0E3EBA3E45}"/>
+              </a:ext>
+            </a:extLst>
+          </p:cNvPr>
+          <p:cNvPicPr>
+            <a:picLocks noChangeAspect="1"/>
+          </p:cNvPicPr>
+          <p:nvPr/>
+        </p:nvPicPr>
+        <p:blipFill>
+          <a:blip r:embed="rId2"/>
+          <a:stretch>
+            <a:fillRect/>
+          </a:stretch>
+        </p:blipFill>
+        <p:spPr>
+          <a:xfrm>
+            <a:off x="7021284" y="2703097"/>
+            <a:ext cx="3376531" cy="3085060"/>
+          </a:xfrm>
+          <a:prstGeom prst="rect">
+            <a:avLst/>
+          </a:prstGeom>
+        </p:spPr>
+      </p:pic>
+    </p:spTree>
+    <p:extLst>
+      <p:ext uri="{BB962C8B-B14F-4D97-AF65-F5344CB8AC3E}">
+        <p14:creationId xmlns:p14="http://schemas.microsoft.com/office/powerpoint/2010/main" val="2619480871"/>
+      </p:ext>
+    </p:extLst>
+  </p:cSld>
+  <p:clrMapOvr>
+    <a:masterClrMapping/>
+  </p:clrMapOvr>
+</p:sld>
+</file>
+
+<file path=ppt/slides/slide33.xml><?xml version="1.0" encoding="utf-8"?>
+<p:sld xmlns:a="http://schemas.openxmlformats.org/drawingml/2006/main" xmlns:r="http://schemas.openxmlformats.org/officeDocument/2006/relationships" xmlns:p="http://schemas.openxmlformats.org/presentationml/2006/main">
+  <p:cSld>
+    <p:spTree>
+      <p:nvGrpSpPr>
+        <p:cNvPr id="1" name=""/>
+        <p:cNvGrpSpPr/>
+        <p:nvPr/>
+      </p:nvGrpSpPr>
+      <p:grpSpPr>
+        <a:xfrm>
+          <a:off x="0" y="0"/>
+          <a:ext cx="0" cy="0"/>
+          <a:chOff x="0" y="0"/>
+          <a:chExt cx="0" cy="0"/>
+        </a:xfrm>
+      </p:grpSpPr>
+      <p:sp>
+        <p:nvSpPr>
+          <p:cNvPr id="2" name="Title 1">
+            <a:extLst>
+              <a:ext uri="{FF2B5EF4-FFF2-40B4-BE49-F238E27FC236}">
                 <a16:creationId xmlns:a16="http://schemas.microsoft.com/office/drawing/2014/main" id="{6865ABD7-AC3A-04D2-BF36-84865DE2D7DB}"/>
               </a:ext>
             </a:extLst>
